--- a/kleines_1x1/kleines_1x1.pptx
+++ b/kleines_1x1/kleines_1x1.pptx
@@ -201,7 +201,7 @@
           <a:p>
             <a:fld id="{DD7A25D8-F173-4133-85F8-CB962D678EB5}" type="datetimeFigureOut">
               <a:rPr lang="de-DE" smtClean="0"/>
-              <a:t>09.01.2019</a:t>
+              <a:t>06.12.2019</a:t>
             </a:fld>
             <a:endParaRPr lang="de-DE"/>
           </a:p>
@@ -265,38 +265,37 @@
           <a:p>
             <a:pPr lvl="0"/>
             <a:r>
-              <a:rPr lang="de-DE" smtClean="0"/>
+              <a:rPr lang="de-DE"/>
               <a:t>Formatvorlagen des Textmasters bearbeiten</a:t>
             </a:r>
           </a:p>
           <a:p>
             <a:pPr lvl="1"/>
             <a:r>
-              <a:rPr lang="de-DE" smtClean="0"/>
+              <a:rPr lang="de-DE"/>
               <a:t>Zweite Ebene</a:t>
             </a:r>
           </a:p>
           <a:p>
             <a:pPr lvl="2"/>
             <a:r>
-              <a:rPr lang="de-DE" smtClean="0"/>
+              <a:rPr lang="de-DE"/>
               <a:t>Dritte Ebene</a:t>
             </a:r>
           </a:p>
           <a:p>
             <a:pPr lvl="3"/>
             <a:r>
-              <a:rPr lang="de-DE" smtClean="0"/>
+              <a:rPr lang="de-DE"/>
               <a:t>Vierte Ebene</a:t>
             </a:r>
           </a:p>
           <a:p>
             <a:pPr lvl="4"/>
             <a:r>
-              <a:rPr lang="de-DE" smtClean="0"/>
+              <a:rPr lang="de-DE"/>
               <a:t>Fünfte Ebene</a:t>
             </a:r>
-            <a:endParaRPr lang="de-DE"/>
           </a:p>
         </p:txBody>
       </p:sp>
@@ -511,7 +510,7 @@
           </a:lstStyle>
           <a:p>
             <a:r>
-              <a:rPr lang="de-DE" smtClean="0"/>
+              <a:rPr lang="de-DE"/>
               <a:t>Titelmasterformat durch Klicken bearbeiten</a:t>
             </a:r>
             <a:endParaRPr lang="en-US" dirty="0"/>
@@ -576,7 +575,7 @@
           </a:lstStyle>
           <a:p>
             <a:r>
-              <a:rPr lang="de-DE" smtClean="0"/>
+              <a:rPr lang="de-DE"/>
               <a:t>Formatvorlage des Untertitelmasters durch Klicken bearbeiten</a:t>
             </a:r>
             <a:endParaRPr lang="en-US" dirty="0"/>
@@ -600,7 +599,7 @@
           <a:p>
             <a:fld id="{FC9269F9-6F79-4414-A84E-D81C6C443C37}" type="datetimeFigureOut">
               <a:rPr lang="de-DE" smtClean="0"/>
-              <a:t>09.01.2019</a:t>
+              <a:t>06.12.2019</a:t>
             </a:fld>
             <a:endParaRPr lang="de-DE"/>
           </a:p>
@@ -658,13 +657,6 @@
   <p:clrMapOvr>
     <a:masterClrMapping/>
   </p:clrMapOvr>
-  <p:timing>
-    <p:tnLst>
-      <p:par>
-        <p:cTn id="1" dur="indefinite" restart="never" nodeType="tmRoot"/>
-      </p:par>
-    </p:tnLst>
-  </p:timing>
 </p:sldLayout>
 </file>
 
@@ -807,7 +799,7 @@
           </a:lstStyle>
           <a:p>
             <a:r>
-              <a:rPr lang="de-DE" dirty="0" smtClean="0"/>
+              <a:rPr lang="de-DE" dirty="0"/>
               <a:t>Titelmasterformat durch Klicken bearbeiten</a:t>
             </a:r>
             <a:endParaRPr lang="en-US" dirty="0"/>
@@ -1021,10 +1013,9 @@
           <a:p>
             <a:pPr lvl="0"/>
             <a:r>
-              <a:rPr lang="de-DE" dirty="0" smtClean="0"/>
+              <a:rPr lang="de-DE" dirty="0"/>
               <a:t>Aufgabentext</a:t>
             </a:r>
-            <a:endParaRPr lang="de-DE" dirty="0"/>
           </a:p>
         </p:txBody>
       </p:sp>
@@ -1051,10 +1042,9 @@
           <a:lstStyle/>
           <a:p>
             <a:r>
-              <a:rPr lang="de-DE" b="1" dirty="0" smtClean="0"/>
+              <a:rPr lang="de-DE" b="1" dirty="0"/>
               <a:t>Challenge</a:t>
             </a:r>
-            <a:endParaRPr lang="de-DE" b="1" dirty="0"/>
           </a:p>
         </p:txBody>
       </p:sp>
@@ -1091,10 +1081,9 @@
           <a:p>
             <a:pPr lvl="0"/>
             <a:r>
-              <a:rPr lang="de-DE" dirty="0" smtClean="0"/>
+              <a:rPr lang="de-DE" dirty="0"/>
               <a:t>Schwierigkeitsgrad</a:t>
             </a:r>
-            <a:endParaRPr lang="de-DE" dirty="0"/>
           </a:p>
         </p:txBody>
       </p:sp>
@@ -1131,7 +1120,7 @@
           <a:p>
             <a:pPr lvl="0"/>
             <a:r>
-              <a:rPr lang="de-DE" sz="3200" dirty="0" smtClean="0"/>
+              <a:rPr lang="de-DE" sz="3200" dirty="0"/>
               <a:t>N</a:t>
             </a:r>
             <a:endParaRPr lang="de-DE" dirty="0"/>
@@ -1249,6 +1238,42 @@
           </a:prstGeom>
         </p:spPr>
       </p:pic>
+      <p:pic>
+        <p:nvPicPr>
+          <p:cNvPr id="27" name="Grafik 26">
+            <a:extLst>
+              <a:ext uri="{FF2B5EF4-FFF2-40B4-BE49-F238E27FC236}">
+                <a16:creationId xmlns:a16="http://schemas.microsoft.com/office/drawing/2014/main" id="{CD0CB06A-823D-4FDE-B591-89B21F2CFFE4}"/>
+              </a:ext>
+            </a:extLst>
+          </p:cNvPr>
+          <p:cNvPicPr>
+            <a:picLocks noChangeAspect="1"/>
+          </p:cNvPicPr>
+          <p:nvPr userDrawn="1"/>
+        </p:nvPicPr>
+        <p:blipFill>
+          <a:blip r:embed="rId4" cstate="print">
+            <a:extLst>
+              <a:ext uri="{28A0092B-C50C-407E-A947-70E740481C1C}">
+                <a14:useLocalDpi xmlns:a14="http://schemas.microsoft.com/office/drawing/2010/main" val="0"/>
+              </a:ext>
+            </a:extLst>
+          </a:blip>
+          <a:stretch>
+            <a:fillRect/>
+          </a:stretch>
+        </p:blipFill>
+        <p:spPr>
+          <a:xfrm>
+            <a:off x="2074069" y="9099550"/>
+            <a:ext cx="381000" cy="571500"/>
+          </a:xfrm>
+          <a:prstGeom prst="rect">
+            <a:avLst/>
+          </a:prstGeom>
+        </p:spPr>
+      </p:pic>
     </p:spTree>
     <p:extLst>
       <p:ext uri="{BB962C8B-B14F-4D97-AF65-F5344CB8AC3E}">
@@ -1259,13 +1284,6 @@
   <p:clrMapOvr>
     <a:masterClrMapping/>
   </p:clrMapOvr>
-  <p:timing>
-    <p:tnLst>
-      <p:par>
-        <p:cTn id="1" dur="indefinite" restart="never" nodeType="tmRoot"/>
-      </p:par>
-    </p:tnLst>
-  </p:timing>
 </p:sldLayout>
 </file>
 
@@ -1408,7 +1426,7 @@
           </a:lstStyle>
           <a:p>
             <a:r>
-              <a:rPr lang="de-DE" dirty="0" smtClean="0"/>
+              <a:rPr lang="de-DE" dirty="0"/>
               <a:t>Titelmasterformat durch Klicken bearbeiten</a:t>
             </a:r>
             <a:endParaRPr lang="en-US" dirty="0"/>
@@ -1658,6 +1676,42 @@
           </a:prstGeom>
         </p:spPr>
       </p:pic>
+      <p:pic>
+        <p:nvPicPr>
+          <p:cNvPr id="20" name="Grafik 19">
+            <a:extLst>
+              <a:ext uri="{FF2B5EF4-FFF2-40B4-BE49-F238E27FC236}">
+                <a16:creationId xmlns:a16="http://schemas.microsoft.com/office/drawing/2014/main" id="{B96B06A1-2F2F-464C-968A-33E1F04B2E52}"/>
+              </a:ext>
+            </a:extLst>
+          </p:cNvPr>
+          <p:cNvPicPr>
+            <a:picLocks noChangeAspect="1"/>
+          </p:cNvPicPr>
+          <p:nvPr userDrawn="1"/>
+        </p:nvPicPr>
+        <p:blipFill>
+          <a:blip r:embed="rId4" cstate="print">
+            <a:extLst>
+              <a:ext uri="{28A0092B-C50C-407E-A947-70E740481C1C}">
+                <a14:useLocalDpi xmlns:a14="http://schemas.microsoft.com/office/drawing/2010/main" val="0"/>
+              </a:ext>
+            </a:extLst>
+          </a:blip>
+          <a:stretch>
+            <a:fillRect/>
+          </a:stretch>
+        </p:blipFill>
+        <p:spPr>
+          <a:xfrm>
+            <a:off x="2074069" y="9099550"/>
+            <a:ext cx="381000" cy="571500"/>
+          </a:xfrm>
+          <a:prstGeom prst="rect">
+            <a:avLst/>
+          </a:prstGeom>
+        </p:spPr>
+      </p:pic>
     </p:spTree>
     <p:extLst>
       <p:ext uri="{BB962C8B-B14F-4D97-AF65-F5344CB8AC3E}">
@@ -1668,13 +1722,6 @@
   <p:clrMapOvr>
     <a:masterClrMapping/>
   </p:clrMapOvr>
-  <p:timing>
-    <p:tnLst>
-      <p:par>
-        <p:cTn id="1" dur="indefinite" restart="never" nodeType="tmRoot"/>
-      </p:par>
-    </p:tnLst>
-  </p:timing>
 </p:sldLayout>
 </file>
 
@@ -1724,10 +1771,9 @@
           </a:lstStyle>
           <a:p>
             <a:r>
-              <a:rPr lang="de-DE" dirty="0" smtClean="0"/>
+              <a:rPr lang="de-DE" dirty="0"/>
               <a:t>Aufgabe</a:t>
             </a:r>
-            <a:endParaRPr lang="de-DE" dirty="0"/>
           </a:p>
         </p:txBody>
       </p:sp>
@@ -1748,7 +1794,7 @@
           <a:p>
             <a:fld id="{FC9269F9-6F79-4414-A84E-D81C6C443C37}" type="datetimeFigureOut">
               <a:rPr lang="de-DE" smtClean="0"/>
-              <a:t>09.01.2019</a:t>
+              <a:t>06.12.2019</a:t>
             </a:fld>
             <a:endParaRPr lang="de-DE"/>
           </a:p>
@@ -1800,14 +1846,11 @@
           <a:lstStyle/>
           <a:p>
             <a:r>
-              <a:rPr lang="de-DE" sz="3600" b="1" dirty="0" smtClean="0">
+              <a:rPr lang="de-DE" sz="3600" b="1" dirty="0">
                 <a:latin typeface="+mn-lt"/>
               </a:rPr>
               <a:t>Lösung</a:t>
             </a:r>
-            <a:endParaRPr lang="de-DE" sz="3600" b="1" dirty="0">
-              <a:latin typeface="+mn-lt"/>
-            </a:endParaRPr>
           </a:p>
         </p:txBody>
       </p:sp>
@@ -1870,10 +1913,9 @@
           <a:lstStyle/>
           <a:p>
             <a:r>
-              <a:rPr lang="de-DE" sz="1200" dirty="0" smtClean="0"/>
+              <a:rPr lang="de-DE" sz="1200" dirty="0"/>
               <a:t>Verwendete Befehlsgruppen</a:t>
             </a:r>
-            <a:endParaRPr lang="de-DE" sz="1200" dirty="0"/>
           </a:p>
         </p:txBody>
       </p:sp>
@@ -1960,10 +2002,9 @@
           <a:lstStyle/>
           <a:p>
             <a:r>
-              <a:rPr lang="de-DE" sz="1600" b="1" dirty="0" smtClean="0"/>
+              <a:rPr lang="de-DE" sz="1600" b="1" dirty="0"/>
               <a:t>Code</a:t>
             </a:r>
-            <a:endParaRPr lang="de-DE" sz="1600" b="1" dirty="0"/>
           </a:p>
         </p:txBody>
       </p:sp>
@@ -1999,38 +2040,37 @@
           <a:p>
             <a:pPr lvl="0"/>
             <a:r>
-              <a:rPr lang="de-DE" dirty="0" smtClean="0"/>
+              <a:rPr lang="de-DE" dirty="0"/>
               <a:t>Formatvorlagen des Textmasters bearbeiten</a:t>
             </a:r>
           </a:p>
           <a:p>
             <a:pPr lvl="1"/>
             <a:r>
-              <a:rPr lang="de-DE" dirty="0" smtClean="0"/>
+              <a:rPr lang="de-DE" dirty="0"/>
               <a:t>Zweite Ebene</a:t>
             </a:r>
           </a:p>
           <a:p>
             <a:pPr lvl="2"/>
             <a:r>
-              <a:rPr lang="de-DE" dirty="0" smtClean="0"/>
+              <a:rPr lang="de-DE" dirty="0"/>
               <a:t>Dritte Ebene</a:t>
             </a:r>
           </a:p>
           <a:p>
             <a:pPr lvl="3"/>
             <a:r>
-              <a:rPr lang="de-DE" dirty="0" smtClean="0"/>
+              <a:rPr lang="de-DE" dirty="0"/>
               <a:t>Vierte Ebene</a:t>
             </a:r>
           </a:p>
           <a:p>
             <a:pPr lvl="4"/>
             <a:r>
-              <a:rPr lang="de-DE" dirty="0" smtClean="0"/>
+              <a:rPr lang="de-DE" dirty="0"/>
               <a:t>Fünfte Ebene</a:t>
             </a:r>
-            <a:endParaRPr lang="de-DE" dirty="0"/>
           </a:p>
         </p:txBody>
       </p:sp>
@@ -2106,12 +2146,12 @@
           <a:p>
             <a:pPr algn="ctr"/>
             <a:r>
-              <a:rPr lang="de-DE" sz="1100" dirty="0" smtClean="0">
+              <a:rPr lang="de-DE" sz="1100" dirty="0">
                 <a:hlinkClick r:id="rId2"/>
               </a:rPr>
               <a:t>https://www.htw-dresden.de/kiss-mint</a:t>
             </a:r>
-            <a:endParaRPr lang="de-DE" sz="1100" dirty="0" smtClean="0"/>
+            <a:endParaRPr lang="de-DE" sz="1100" dirty="0"/>
           </a:p>
         </p:txBody>
       </p:sp>
@@ -2125,13 +2165,6 @@
   <p:clrMapOvr>
     <a:masterClrMapping/>
   </p:clrMapOvr>
-  <p:timing>
-    <p:tnLst>
-      <p:par>
-        <p:cTn id="1" dur="indefinite" restart="never" nodeType="tmRoot"/>
-      </p:par>
-    </p:tnLst>
-  </p:timing>
 </p:sldLayout>
 </file>
 
@@ -2179,10 +2212,9 @@
           </a:lstStyle>
           <a:p>
             <a:r>
-              <a:rPr lang="de-DE" dirty="0" smtClean="0"/>
+              <a:rPr lang="de-DE" dirty="0"/>
               <a:t>Titelmasterformat durch Klicken bearbeiten</a:t>
             </a:r>
-            <a:endParaRPr lang="de-DE" dirty="0"/>
           </a:p>
         </p:txBody>
       </p:sp>
@@ -2203,7 +2235,7 @@
           <a:p>
             <a:fld id="{FC9269F9-6F79-4414-A84E-D81C6C443C37}" type="datetimeFigureOut">
               <a:rPr lang="de-DE" smtClean="0"/>
-              <a:t>09.01.2019</a:t>
+              <a:t>06.12.2019</a:t>
             </a:fld>
             <a:endParaRPr lang="de-DE"/>
           </a:p>
@@ -2261,7 +2293,7 @@
           <a:p>
             <a:pPr lvl="0"/>
             <a:r>
-              <a:rPr lang="de-DE" b="1" dirty="0" smtClean="0"/>
+              <a:rPr lang="de-DE" b="1" dirty="0"/>
               <a:t>Rubrik</a:t>
             </a:r>
             <a:endParaRPr lang="de-DE" dirty="0"/>
@@ -2316,10 +2348,9 @@
           <a:p>
             <a:pPr lvl="0"/>
             <a:r>
-              <a:rPr lang="de-DE" dirty="0" smtClean="0"/>
+              <a:rPr lang="de-DE" dirty="0"/>
               <a:t>Formatvorlagen des Textmasters bearbeiten</a:t>
             </a:r>
-            <a:endParaRPr lang="de-DE" dirty="0"/>
           </a:p>
         </p:txBody>
       </p:sp>
@@ -2347,12 +2378,12 @@
           <a:p>
             <a:pPr algn="ctr"/>
             <a:r>
-              <a:rPr lang="de-DE" sz="1100" dirty="0" smtClean="0">
+              <a:rPr lang="de-DE" sz="1100" dirty="0">
                 <a:hlinkClick r:id="rId2"/>
               </a:rPr>
               <a:t>https://www.htw-dresden.de/kiss-mint</a:t>
             </a:r>
-            <a:endParaRPr lang="de-DE" sz="1100" dirty="0" smtClean="0"/>
+            <a:endParaRPr lang="de-DE" sz="1100" dirty="0"/>
           </a:p>
         </p:txBody>
       </p:sp>
@@ -2366,13 +2397,6 @@
   <p:clrMapOvr>
     <a:masterClrMapping/>
   </p:clrMapOvr>
-  <p:timing>
-    <p:tnLst>
-      <p:par>
-        <p:cTn id="1" dur="indefinite" restart="never" nodeType="tmRoot"/>
-      </p:par>
-    </p:tnLst>
-  </p:timing>
 </p:sldLayout>
 </file>
 
@@ -2660,34 +2684,34 @@
           <a:p>
             <a:pPr algn="ctr"/>
             <a:r>
-              <a:rPr lang="de-DE" b="1" dirty="0" smtClean="0"/>
+              <a:rPr lang="de-DE" b="1" dirty="0"/>
               <a:t>Veröffentlicht</a:t>
             </a:r>
             <a:r>
-              <a:rPr lang="de-DE" b="1" baseline="0" dirty="0" smtClean="0"/>
+              <a:rPr lang="de-DE" b="1" baseline="0" dirty="0"/>
               <a:t> unter CC BY SA</a:t>
             </a:r>
           </a:p>
           <a:p>
             <a:pPr algn="ctr"/>
-            <a:endParaRPr lang="de-DE" b="0" baseline="0" dirty="0" smtClean="0"/>
+            <a:endParaRPr lang="de-DE" b="0" baseline="0" dirty="0"/>
           </a:p>
           <a:p>
             <a:pPr algn="ctr"/>
             <a:r>
-              <a:rPr lang="de-DE" b="0" dirty="0" smtClean="0"/>
+              <a:rPr lang="de-DE" b="0" dirty="0"/>
               <a:t>Dieses Werk ist unter einer Creative </a:t>
             </a:r>
             <a:r>
-              <a:rPr lang="de-DE" b="0" dirty="0" err="1" smtClean="0"/>
+              <a:rPr lang="de-DE" b="0" dirty="0" err="1"/>
               <a:t>Commons</a:t>
             </a:r>
             <a:r>
-              <a:rPr lang="de-DE" b="0" dirty="0" smtClean="0"/>
+              <a:rPr lang="de-DE" b="0" dirty="0"/>
               <a:t> Lizenz vom Typ Namensnennung - Weitergabe unter gleichen Bedingungen 4.0 International zugänglich. Um eine Kopie dieser Lizenz einzusehen, konsultieren </a:t>
             </a:r>
             <a:r>
-              <a:rPr lang="de-DE" b="0" dirty="0" smtClean="0">
+              <a:rPr lang="de-DE" b="0" dirty="0">
                 <a:solidFill>
                   <a:schemeClr val="bg1"/>
                 </a:solidFill>
@@ -2695,18 +2719,17 @@
               <a:t>Sie http://creativecommons.org/licenses/by-sa/4.0/ oder </a:t>
             </a:r>
             <a:r>
-              <a:rPr lang="de-DE" b="0" dirty="0" smtClean="0"/>
+              <a:rPr lang="de-DE" b="0" dirty="0"/>
               <a:t>wenden Sie sich brieflich an Creative </a:t>
             </a:r>
             <a:r>
-              <a:rPr lang="de-DE" b="0" dirty="0" err="1" smtClean="0"/>
+              <a:rPr lang="de-DE" b="0" dirty="0" err="1"/>
               <a:t>Commons</a:t>
             </a:r>
             <a:r>
-              <a:rPr lang="de-DE" b="0" dirty="0" smtClean="0"/>
+              <a:rPr lang="de-DE" b="0" dirty="0"/>
               <a:t>, Postfach 1866, Mountain View, California, 94042, USA.</a:t>
             </a:r>
-            <a:endParaRPr lang="de-DE" b="0" dirty="0"/>
           </a:p>
         </p:txBody>
       </p:sp>
@@ -2865,38 +2888,37 @@
           <a:p>
             <a:pPr lvl="0"/>
             <a:r>
-              <a:rPr lang="de-DE" dirty="0" smtClean="0"/>
+              <a:rPr lang="de-DE" dirty="0"/>
               <a:t>Formatvorlagen des Textmasters bearbeiten</a:t>
             </a:r>
           </a:p>
           <a:p>
             <a:pPr lvl="1"/>
             <a:r>
-              <a:rPr lang="de-DE" dirty="0" smtClean="0"/>
+              <a:rPr lang="de-DE" dirty="0"/>
               <a:t>Zweite Ebene</a:t>
             </a:r>
           </a:p>
           <a:p>
             <a:pPr lvl="2"/>
             <a:r>
-              <a:rPr lang="de-DE" dirty="0" smtClean="0"/>
+              <a:rPr lang="de-DE" dirty="0"/>
               <a:t>Dritte Ebene</a:t>
             </a:r>
           </a:p>
           <a:p>
             <a:pPr lvl="3"/>
             <a:r>
-              <a:rPr lang="de-DE" dirty="0" smtClean="0"/>
+              <a:rPr lang="de-DE" dirty="0"/>
               <a:t>Vierte Ebene</a:t>
             </a:r>
           </a:p>
           <a:p>
             <a:pPr lvl="4"/>
             <a:r>
-              <a:rPr lang="de-DE" dirty="0" smtClean="0"/>
+              <a:rPr lang="de-DE" dirty="0"/>
               <a:t>Fünfte Ebene</a:t>
             </a:r>
-            <a:endParaRPr lang="de-DE" dirty="0"/>
           </a:p>
         </p:txBody>
       </p:sp>
@@ -2939,13 +2961,6 @@
   <p:clrMapOvr>
     <a:masterClrMapping/>
   </p:clrMapOvr>
-  <p:timing>
-    <p:tnLst>
-      <p:par>
-        <p:cTn id="1" dur="indefinite" restart="never" nodeType="tmRoot"/>
-      </p:par>
-    </p:tnLst>
-  </p:timing>
 </p:sldLayout>
 </file>
 
@@ -2993,10 +3008,9 @@
           </a:lstStyle>
           <a:p>
             <a:r>
-              <a:rPr lang="de-DE" dirty="0" smtClean="0"/>
+              <a:rPr lang="de-DE" dirty="0"/>
               <a:t>Titelmasterformat durch Klicken bearbeiten</a:t>
             </a:r>
-            <a:endParaRPr lang="de-DE" dirty="0"/>
           </a:p>
         </p:txBody>
       </p:sp>
@@ -3017,7 +3031,7 @@
           <a:p>
             <a:fld id="{FC9269F9-6F79-4414-A84E-D81C6C443C37}" type="datetimeFigureOut">
               <a:rPr lang="de-DE" smtClean="0"/>
-              <a:t>09.01.2019</a:t>
+              <a:t>06.12.2019</a:t>
             </a:fld>
             <a:endParaRPr lang="de-DE"/>
           </a:p>
@@ -3094,7 +3108,7 @@
           <a:p>
             <a:pPr lvl="0"/>
             <a:r>
-              <a:rPr lang="de-DE" b="1" dirty="0" smtClean="0"/>
+              <a:rPr lang="de-DE" b="1" dirty="0"/>
               <a:t>Rubrik</a:t>
             </a:r>
             <a:endParaRPr lang="de-DE" dirty="0"/>
@@ -3153,10 +3167,9 @@
           <a:p>
             <a:pPr lvl="0"/>
             <a:r>
-              <a:rPr lang="de-DE" dirty="0" smtClean="0"/>
+              <a:rPr lang="de-DE" dirty="0"/>
               <a:t>Formatvorlagen des Textmasters bearbeiten</a:t>
             </a:r>
-            <a:endParaRPr lang="de-DE" dirty="0"/>
           </a:p>
         </p:txBody>
       </p:sp>
@@ -3188,10 +3201,9 @@
           <a:p>
             <a:pPr lvl="0"/>
             <a:r>
-              <a:rPr lang="de-DE" dirty="0" smtClean="0"/>
+              <a:rPr lang="de-DE" dirty="0"/>
               <a:t>Legende</a:t>
             </a:r>
-            <a:endParaRPr lang="de-DE" dirty="0"/>
           </a:p>
         </p:txBody>
       </p:sp>
@@ -3205,13 +3217,6 @@
   <p:clrMapOvr>
     <a:masterClrMapping/>
   </p:clrMapOvr>
-  <p:timing>
-    <p:tnLst>
-      <p:par>
-        <p:cTn id="1" dur="indefinite" restart="never" nodeType="tmRoot"/>
-      </p:par>
-    </p:tnLst>
-  </p:timing>
 </p:sldLayout>
 </file>
 
@@ -3249,7 +3254,7 @@
           <a:p>
             <a:fld id="{FC9269F9-6F79-4414-A84E-D81C6C443C37}" type="datetimeFigureOut">
               <a:rPr lang="de-DE" smtClean="0"/>
-              <a:t>09.01.2019</a:t>
+              <a:t>06.12.2019</a:t>
             </a:fld>
             <a:endParaRPr lang="de-DE"/>
           </a:p>
@@ -3307,13 +3312,6 @@
   <p:clrMapOvr>
     <a:masterClrMapping/>
   </p:clrMapOvr>
-  <p:timing>
-    <p:tnLst>
-      <p:par>
-        <p:cTn id="1" dur="indefinite" restart="never" nodeType="tmRoot"/>
-      </p:par>
-    </p:tnLst>
-  </p:timing>
 </p:sldLayout>
 </file>
 
@@ -3365,7 +3363,7 @@
           <a:lstStyle/>
           <a:p>
             <a:r>
-              <a:rPr lang="de-DE" smtClean="0"/>
+              <a:rPr lang="de-DE"/>
               <a:t>Titelmasterformat durch Klicken bearbeiten</a:t>
             </a:r>
             <a:endParaRPr lang="en-US" dirty="0"/>
@@ -3399,35 +3397,35 @@
           <a:p>
             <a:pPr lvl="0"/>
             <a:r>
-              <a:rPr lang="de-DE" smtClean="0"/>
+              <a:rPr lang="de-DE"/>
               <a:t>Formatvorlagen des Textmasters bearbeiten</a:t>
             </a:r>
           </a:p>
           <a:p>
             <a:pPr lvl="1"/>
             <a:r>
-              <a:rPr lang="de-DE" smtClean="0"/>
+              <a:rPr lang="de-DE"/>
               <a:t>Zweite Ebene</a:t>
             </a:r>
           </a:p>
           <a:p>
             <a:pPr lvl="2"/>
             <a:r>
-              <a:rPr lang="de-DE" smtClean="0"/>
+              <a:rPr lang="de-DE"/>
               <a:t>Dritte Ebene</a:t>
             </a:r>
           </a:p>
           <a:p>
             <a:pPr lvl="3"/>
             <a:r>
-              <a:rPr lang="de-DE" smtClean="0"/>
+              <a:rPr lang="de-DE"/>
               <a:t>Vierte Ebene</a:t>
             </a:r>
           </a:p>
           <a:p>
             <a:pPr lvl="4"/>
             <a:r>
-              <a:rPr lang="de-DE" smtClean="0"/>
+              <a:rPr lang="de-DE"/>
               <a:t>Fünfte Ebene</a:t>
             </a:r>
             <a:endParaRPr lang="en-US" dirty="0"/>
@@ -3469,7 +3467,7 @@
           <a:p>
             <a:fld id="{FC9269F9-6F79-4414-A84E-D81C6C443C37}" type="datetimeFigureOut">
               <a:rPr lang="de-DE" smtClean="0"/>
-              <a:t>09.01.2019</a:t>
+              <a:t>06.12.2019</a:t>
             </a:fld>
             <a:endParaRPr lang="de-DE"/>
           </a:p>
@@ -3572,13 +3570,6 @@
     <p:sldLayoutId id="2147483674" r:id="rId7"/>
     <p:sldLayoutId id="2147483676" r:id="rId8"/>
   </p:sldLayoutIdLst>
-  <p:timing>
-    <p:tnLst>
-      <p:par>
-        <p:cTn id="1" dur="indefinite" restart="never" nodeType="tmRoot"/>
-      </p:par>
-    </p:tnLst>
-  </p:timing>
   <p:txStyles>
     <p:titleStyle>
       <a:lvl1pPr algn="l" defTabSz="685800" rtl="0" eaLnBrk="1" latinLnBrk="0" hangingPunct="1">
@@ -3895,10 +3886,9 @@
           <a:lstStyle/>
           <a:p>
             <a:r>
-              <a:rPr lang="de-DE" dirty="0" smtClean="0"/>
+              <a:rPr lang="de-DE" dirty="0"/>
               <a:t>Das kleine 1x1</a:t>
             </a:r>
-            <a:endParaRPr lang="de-DE" dirty="0"/>
           </a:p>
         </p:txBody>
       </p:sp>
@@ -3940,10 +3930,9 @@
           <a:lstStyle/>
           <a:p>
             <a:r>
-              <a:rPr lang="de-DE" dirty="0" smtClean="0"/>
+              <a:rPr lang="de-DE" dirty="0"/>
               <a:t>Für Fortgeschrittene</a:t>
             </a:r>
-            <a:endParaRPr lang="de-DE" dirty="0"/>
           </a:p>
         </p:txBody>
       </p:sp>
@@ -4005,13 +3994,6 @@
   <p:clrMapOvr>
     <a:masterClrMapping/>
   </p:clrMapOvr>
-  <p:timing>
-    <p:tnLst>
-      <p:par>
-        <p:cTn id="1" dur="indefinite" restart="never" nodeType="tmRoot"/>
-      </p:par>
-    </p:tnLst>
-  </p:timing>
 </p:sld>
 </file>
 
@@ -4059,11 +4041,7 @@
             </a:pPr>
             <a:r>
               <a:rPr lang="de-DE" sz="1600" b="1" dirty="0"/>
-              <a:t>Ursprüngliche </a:t>
-            </a:r>
-            <a:r>
-              <a:rPr lang="de-DE" sz="1600" b="1" dirty="0" smtClean="0"/>
-              <a:t>Idee</a:t>
+              <a:t>Ursprüngliche Idee</a:t>
             </a:r>
           </a:p>
           <a:p>
@@ -4080,11 +4058,7 @@
             </a:r>
             <a:r>
               <a:rPr lang="de-DE" dirty="0"/>
-              <a:t> mini </a:t>
-            </a:r>
-            <a:r>
-              <a:rPr lang="de-DE" dirty="0" smtClean="0"/>
-              <a:t>als 1x1-Kopfrechentrainer</a:t>
+              <a:t> mini als 1x1-Kopfrechentrainer</a:t>
             </a:r>
           </a:p>
           <a:p>
@@ -4092,16 +4066,8 @@
               <a:buNone/>
             </a:pPr>
             <a:r>
-              <a:rPr lang="de-DE" dirty="0" smtClean="0"/>
-              <a:t>Aus </a:t>
-            </a:r>
-            <a:r>
               <a:rPr lang="de-DE" dirty="0"/>
-              <a:t>dem </a:t>
-            </a:r>
-            <a:r>
-              <a:rPr lang="de-DE" dirty="0" smtClean="0"/>
-              <a:t>Arbeitsheft:</a:t>
+              <a:t>Aus dem Arbeitsheft:</a:t>
             </a:r>
           </a:p>
           <a:p>
@@ -4109,16 +4075,12 @@
               <a:buNone/>
             </a:pPr>
             <a:r>
-              <a:rPr lang="de-DE" dirty="0" err="1" smtClean="0"/>
+              <a:rPr lang="de-DE" dirty="0" err="1"/>
               <a:t>Coden</a:t>
             </a:r>
             <a:r>
-              <a:rPr lang="de-DE" dirty="0" smtClean="0"/>
-              <a:t> </a:t>
-            </a:r>
-            <a:r>
               <a:rPr lang="de-DE" dirty="0"/>
-              <a:t>mit dem </a:t>
+              <a:t> mit dem </a:t>
             </a:r>
             <a:r>
               <a:rPr lang="de-DE" dirty="0" err="1"/>
@@ -4126,22 +4088,14 @@
             </a:r>
             <a:r>
               <a:rPr lang="de-DE" dirty="0"/>
-              <a:t> </a:t>
-            </a:r>
-            <a:r>
-              <a:rPr lang="de-DE" dirty="0" smtClean="0"/>
-              <a:t>mini</a:t>
+              <a:t> mini</a:t>
             </a:r>
             <a:br>
-              <a:rPr lang="de-DE" dirty="0" smtClean="0"/>
+              <a:rPr lang="de-DE" dirty="0"/>
             </a:br>
             <a:r>
-              <a:rPr lang="de-DE" sz="1100" dirty="0" smtClean="0"/>
-              <a:t>Programmieren </a:t>
-            </a:r>
-            <a:r>
               <a:rPr lang="de-DE" sz="1100" dirty="0"/>
-              <a:t>in der Grundschule</a:t>
+              <a:t>Programmieren in der Grundschule</a:t>
             </a:r>
           </a:p>
           <a:p>
@@ -4157,111 +4111,63 @@
             </a:br>
             <a:r>
               <a:rPr lang="de-DE" dirty="0"/>
-              <a:t>ISBN: </a:t>
-            </a:r>
-            <a:r>
-              <a:rPr lang="de-DE" dirty="0" smtClean="0"/>
-              <a:t>978-3-06-600011-5</a:t>
+              <a:t>ISBN: 978-3-06-600011-5</a:t>
             </a:r>
             <a:br>
-              <a:rPr lang="de-DE" dirty="0" smtClean="0"/>
+              <a:rPr lang="de-DE" dirty="0"/>
             </a:br>
-            <a:endParaRPr lang="de-DE" dirty="0" smtClean="0"/>
+            <a:endParaRPr lang="de-DE" dirty="0"/>
           </a:p>
           <a:p>
             <a:pPr marL="0" indent="0">
               <a:buNone/>
             </a:pPr>
             <a:r>
-              <a:rPr lang="de-DE" dirty="0" smtClean="0"/>
-              <a:t>Cornelsen </a:t>
-            </a:r>
-            <a:r>
               <a:rPr lang="de-DE" dirty="0"/>
-              <a:t>Verlag </a:t>
-            </a:r>
-            <a:r>
-              <a:rPr lang="de-DE" dirty="0" smtClean="0"/>
-              <a:t>GmbH</a:t>
+              <a:t>Cornelsen Verlag GmbH</a:t>
             </a:r>
             <a:br>
-              <a:rPr lang="de-DE" dirty="0" smtClean="0"/>
+              <a:rPr lang="de-DE" dirty="0"/>
             </a:br>
             <a:r>
-              <a:rPr lang="de-DE" dirty="0" smtClean="0"/>
-              <a:t>Mecklenburgische </a:t>
-            </a:r>
-            <a:r>
               <a:rPr lang="de-DE" dirty="0"/>
-              <a:t>Straße </a:t>
-            </a:r>
-            <a:r>
-              <a:rPr lang="de-DE" dirty="0" smtClean="0"/>
-              <a:t>53</a:t>
+              <a:t>Mecklenburgische Straße 53</a:t>
             </a:r>
             <a:br>
-              <a:rPr lang="de-DE" dirty="0" smtClean="0"/>
+              <a:rPr lang="de-DE" dirty="0"/>
             </a:br>
             <a:r>
-              <a:rPr lang="de-DE" dirty="0" smtClean="0"/>
-              <a:t>14197 </a:t>
-            </a:r>
-            <a:r>
               <a:rPr lang="de-DE" dirty="0"/>
-              <a:t>Berlin </a:t>
-            </a:r>
-            <a:r>
-              <a:rPr lang="de-DE" dirty="0" smtClean="0"/>
-              <a:t/>
+              <a:t>14197 Berlin </a:t>
             </a:r>
             <a:br>
-              <a:rPr lang="de-DE" dirty="0" smtClean="0"/>
+              <a:rPr lang="de-DE" dirty="0"/>
             </a:br>
             <a:r>
-              <a:rPr lang="de-DE" dirty="0" smtClean="0"/>
-              <a:t>Telefon</a:t>
-            </a:r>
-            <a:r>
               <a:rPr lang="de-DE" dirty="0"/>
-              <a:t>: (030) 897 </a:t>
-            </a:r>
-            <a:r>
-              <a:rPr lang="de-DE" dirty="0" smtClean="0"/>
-              <a:t>85-0</a:t>
+              <a:t>Telefon: (030) 897 85-0</a:t>
             </a:r>
             <a:br>
-              <a:rPr lang="de-DE" dirty="0" smtClean="0"/>
+              <a:rPr lang="de-DE" dirty="0"/>
             </a:br>
             <a:r>
-              <a:rPr lang="de-DE" dirty="0" smtClean="0"/>
-              <a:t>Telefax</a:t>
-            </a:r>
-            <a:r>
               <a:rPr lang="de-DE" dirty="0"/>
-              <a:t>: (030) 897 85-578 </a:t>
-            </a:r>
-            <a:r>
-              <a:rPr lang="de-DE" dirty="0" smtClean="0"/>
-              <a:t/>
+              <a:t>Telefax: (030) 897 85-578 </a:t>
             </a:r>
             <a:br>
-              <a:rPr lang="de-DE" dirty="0" smtClean="0"/>
+              <a:rPr lang="de-DE" dirty="0"/>
             </a:br>
             <a:r>
-              <a:rPr lang="de-DE" dirty="0" smtClean="0"/>
-              <a:t>E-Mail</a:t>
-            </a:r>
-            <a:r>
               <a:rPr lang="de-DE" dirty="0"/>
-              <a:t>: </a:t>
-            </a:r>
-            <a:r>
-              <a:rPr lang="de-DE" dirty="0" smtClean="0">
+              <a:t>E-Mail: </a:t>
+            </a:r>
+            <a:r>
+              <a:rPr lang="de-DE" dirty="0">
                 <a:hlinkClick r:id="rId2"/>
               </a:rPr>
               <a:t>service@cornelsen.de</a:t>
             </a:r>
-            <a:endParaRPr lang="de-DE" dirty="0" smtClean="0"/>
+            <a:endParaRPr lang="de-DE" dirty="0"/>
           </a:p>
           <a:p>
             <a:pPr marL="0" indent="0">
@@ -4271,19 +4177,12 @@
               <a:rPr lang="de-DE" sz="1600" dirty="0">
                 <a:hlinkClick r:id="rId3"/>
               </a:rPr>
-              <a:t>https://</a:t>
-            </a:r>
-            <a:r>
-              <a:rPr lang="de-DE" sz="1600" dirty="0" smtClean="0">
-                <a:hlinkClick r:id="rId3"/>
-              </a:rPr>
-              <a:t>calliope.cc/content/3-schulen/schulmaterial2/9783066000115-gesamt_pdf.pdf</a:t>
-            </a:r>
-            <a:r>
-              <a:rPr lang="de-DE" sz="1600" dirty="0" smtClean="0"/>
+              <a:t>https://calliope.cc/content/3-schulen/schulmaterial2/9783066000115-gesamt_pdf.pdf</a:t>
+            </a:r>
+            <a:r>
+              <a:rPr lang="de-DE" sz="1600" dirty="0"/>
               <a:t> </a:t>
             </a:r>
-            <a:endParaRPr lang="de-DE" sz="1600" dirty="0"/>
           </a:p>
         </p:txBody>
       </p:sp>

--- a/kleines_1x1/kleines_1x1.pptx
+++ b/kleines_1x1/kleines_1x1.pptx
@@ -201,7 +201,7 @@
           <a:p>
             <a:fld id="{DD7A25D8-F173-4133-85F8-CB962D678EB5}" type="datetimeFigureOut">
               <a:rPr lang="de-DE" smtClean="0"/>
-              <a:t>06.12.2019</a:t>
+              <a:t>09.12.2019</a:t>
             </a:fld>
             <a:endParaRPr lang="de-DE"/>
           </a:p>
@@ -599,7 +599,7 @@
           <a:p>
             <a:fld id="{FC9269F9-6F79-4414-A84E-D81C6C443C37}" type="datetimeFigureOut">
               <a:rPr lang="de-DE" smtClean="0"/>
-              <a:t>06.12.2019</a:t>
+              <a:t>09.12.2019</a:t>
             </a:fld>
             <a:endParaRPr lang="de-DE"/>
           </a:p>
@@ -1181,7 +1181,13 @@
       </p:sp>
       <p:pic>
         <p:nvPicPr>
-          <p:cNvPr id="23" name="Grafik 22"/>
+          <p:cNvPr id="28" name="Grafik 27">
+            <a:extLst>
+              <a:ext uri="{FF2B5EF4-FFF2-40B4-BE49-F238E27FC236}">
+                <a16:creationId xmlns:a16="http://schemas.microsoft.com/office/drawing/2014/main" id="{D3750AF4-0E22-444F-9728-68BAE3236A93}"/>
+              </a:ext>
+            </a:extLst>
+          </p:cNvPr>
           <p:cNvPicPr>
             <a:picLocks noChangeAspect="1"/>
           </p:cNvPicPr>
@@ -1211,7 +1217,13 @@
       </p:pic>
       <p:pic>
         <p:nvPicPr>
-          <p:cNvPr id="25" name="Grafik 24"/>
+          <p:cNvPr id="29" name="Grafik 28">
+            <a:extLst>
+              <a:ext uri="{FF2B5EF4-FFF2-40B4-BE49-F238E27FC236}">
+                <a16:creationId xmlns:a16="http://schemas.microsoft.com/office/drawing/2014/main" id="{B766BE71-7252-4BCB-B81E-05886C6B9CF9}"/>
+              </a:ext>
+            </a:extLst>
+          </p:cNvPr>
           <p:cNvPicPr>
             <a:picLocks noChangeAspect="1"/>
           </p:cNvPicPr>
@@ -1240,10 +1252,10 @@
       </p:pic>
       <p:pic>
         <p:nvPicPr>
-          <p:cNvPr id="27" name="Grafik 26">
+          <p:cNvPr id="30" name="Grafik 29">
             <a:extLst>
               <a:ext uri="{FF2B5EF4-FFF2-40B4-BE49-F238E27FC236}">
-                <a16:creationId xmlns:a16="http://schemas.microsoft.com/office/drawing/2014/main" id="{CD0CB06A-823D-4FDE-B591-89B21F2CFFE4}"/>
+                <a16:creationId xmlns:a16="http://schemas.microsoft.com/office/drawing/2014/main" id="{E47CF738-29A1-474C-BB2B-F3A6BA716ECC}"/>
               </a:ext>
             </a:extLst>
           </p:cNvPr>
@@ -1268,6 +1280,42 @@
           <a:xfrm>
             <a:off x="2074069" y="9099550"/>
             <a:ext cx="381000" cy="571500"/>
+          </a:xfrm>
+          <a:prstGeom prst="rect">
+            <a:avLst/>
+          </a:prstGeom>
+        </p:spPr>
+      </p:pic>
+      <p:pic>
+        <p:nvPicPr>
+          <p:cNvPr id="31" name="Grafik 30">
+            <a:extLst>
+              <a:ext uri="{FF2B5EF4-FFF2-40B4-BE49-F238E27FC236}">
+                <a16:creationId xmlns:a16="http://schemas.microsoft.com/office/drawing/2014/main" id="{5C27B243-5216-4450-87AA-7EC2F950164D}"/>
+              </a:ext>
+            </a:extLst>
+          </p:cNvPr>
+          <p:cNvPicPr>
+            <a:picLocks noChangeAspect="1"/>
+          </p:cNvPicPr>
+          <p:nvPr userDrawn="1"/>
+        </p:nvPicPr>
+        <p:blipFill>
+          <a:blip r:embed="rId5" cstate="print">
+            <a:extLst>
+              <a:ext uri="{28A0092B-C50C-407E-A947-70E740481C1C}">
+                <a14:useLocalDpi xmlns:a14="http://schemas.microsoft.com/office/drawing/2010/main" val="0"/>
+              </a:ext>
+            </a:extLst>
+          </a:blip>
+          <a:stretch>
+            <a:fillRect/>
+          </a:stretch>
+        </p:blipFill>
+        <p:spPr>
+          <a:xfrm>
+            <a:off x="3590172" y="8960427"/>
+            <a:ext cx="911392" cy="911392"/>
           </a:xfrm>
           <a:prstGeom prst="rect">
             <a:avLst/>
@@ -1794,7 +1842,7 @@
           <a:p>
             <a:fld id="{FC9269F9-6F79-4414-A84E-D81C6C443C37}" type="datetimeFigureOut">
               <a:rPr lang="de-DE" smtClean="0"/>
-              <a:t>06.12.2019</a:t>
+              <a:t>09.12.2019</a:t>
             </a:fld>
             <a:endParaRPr lang="de-DE"/>
           </a:p>
@@ -2235,7 +2283,7 @@
           <a:p>
             <a:fld id="{FC9269F9-6F79-4414-A84E-D81C6C443C37}" type="datetimeFigureOut">
               <a:rPr lang="de-DE" smtClean="0"/>
-              <a:t>06.12.2019</a:t>
+              <a:t>09.12.2019</a:t>
             </a:fld>
             <a:endParaRPr lang="de-DE"/>
           </a:p>
@@ -2351,39 +2399,6 @@
               <a:rPr lang="de-DE" dirty="0"/>
               <a:t>Formatvorlagen des Textmasters bearbeiten</a:t>
             </a:r>
-          </a:p>
-        </p:txBody>
-      </p:sp>
-      <p:sp>
-        <p:nvSpPr>
-          <p:cNvPr id="9" name="Textfeld 8"/>
-          <p:cNvSpPr txBox="1"/>
-          <p:nvPr userDrawn="1"/>
-        </p:nvSpPr>
-        <p:spPr>
-          <a:xfrm>
-            <a:off x="2033534" y="9314293"/>
-            <a:ext cx="2449033" cy="261610"/>
-          </a:xfrm>
-          <a:prstGeom prst="rect">
-            <a:avLst/>
-          </a:prstGeom>
-          <a:noFill/>
-        </p:spPr>
-        <p:txBody>
-          <a:bodyPr wrap="square" rtlCol="0">
-            <a:spAutoFit/>
-          </a:bodyPr>
-          <a:lstStyle/>
-          <a:p>
-            <a:pPr algn="ctr"/>
-            <a:r>
-              <a:rPr lang="de-DE" sz="1100" dirty="0">
-                <a:hlinkClick r:id="rId2"/>
-              </a:rPr>
-              <a:t>https://www.htw-dresden.de/kiss-mint</a:t>
-            </a:r>
-            <a:endParaRPr lang="de-DE" sz="1100" dirty="0"/>
           </a:p>
         </p:txBody>
       </p:sp>
@@ -3031,7 +3046,7 @@
           <a:p>
             <a:fld id="{FC9269F9-6F79-4414-A84E-D81C6C443C37}" type="datetimeFigureOut">
               <a:rPr lang="de-DE" smtClean="0"/>
-              <a:t>06.12.2019</a:t>
+              <a:t>09.12.2019</a:t>
             </a:fld>
             <a:endParaRPr lang="de-DE"/>
           </a:p>
@@ -3254,7 +3269,7 @@
           <a:p>
             <a:fld id="{FC9269F9-6F79-4414-A84E-D81C6C443C37}" type="datetimeFigureOut">
               <a:rPr lang="de-DE" smtClean="0"/>
-              <a:t>06.12.2019</a:t>
+              <a:t>09.12.2019</a:t>
             </a:fld>
             <a:endParaRPr lang="de-DE"/>
           </a:p>
@@ -3467,7 +3482,7 @@
           <a:p>
             <a:fld id="{FC9269F9-6F79-4414-A84E-D81C6C443C37}" type="datetimeFigureOut">
               <a:rPr lang="de-DE" smtClean="0"/>
-              <a:t>06.12.2019</a:t>
+              <a:t>09.12.2019</a:t>
             </a:fld>
             <a:endParaRPr lang="de-DE"/>
           </a:p>
@@ -3552,6 +3567,149 @@
           </a:p>
         </p:txBody>
       </p:sp>
+      <p:pic>
+        <p:nvPicPr>
+          <p:cNvPr id="7" name="Grafik 6">
+            <a:extLst>
+              <a:ext uri="{FF2B5EF4-FFF2-40B4-BE49-F238E27FC236}">
+                <a16:creationId xmlns:a16="http://schemas.microsoft.com/office/drawing/2014/main" id="{2A76610B-B49E-4E01-954A-FA1448FB47EC}"/>
+              </a:ext>
+            </a:extLst>
+          </p:cNvPr>
+          <p:cNvPicPr>
+            <a:picLocks noChangeAspect="1"/>
+          </p:cNvPicPr>
+          <p:nvPr userDrawn="1"/>
+        </p:nvPicPr>
+        <p:blipFill>
+          <a:blip r:embed="rId10" cstate="print">
+            <a:extLst>
+              <a:ext uri="{28A0092B-C50C-407E-A947-70E740481C1C}">
+                <a14:useLocalDpi xmlns:a14="http://schemas.microsoft.com/office/drawing/2010/main" val="0"/>
+              </a:ext>
+            </a:extLst>
+          </a:blip>
+          <a:stretch>
+            <a:fillRect/>
+          </a:stretch>
+        </p:blipFill>
+        <p:spPr>
+          <a:xfrm>
+            <a:off x="4501564" y="9267750"/>
+            <a:ext cx="1884949" cy="324000"/>
+          </a:xfrm>
+          <a:prstGeom prst="rect">
+            <a:avLst/>
+          </a:prstGeom>
+        </p:spPr>
+      </p:pic>
+      <p:pic>
+        <p:nvPicPr>
+          <p:cNvPr id="8" name="Grafik 7">
+            <a:extLst>
+              <a:ext uri="{FF2B5EF4-FFF2-40B4-BE49-F238E27FC236}">
+                <a16:creationId xmlns:a16="http://schemas.microsoft.com/office/drawing/2014/main" id="{B7E84FCC-6EB1-4825-AB58-501DAD3A7B2B}"/>
+              </a:ext>
+            </a:extLst>
+          </p:cNvPr>
+          <p:cNvPicPr>
+            <a:picLocks noChangeAspect="1"/>
+          </p:cNvPicPr>
+          <p:nvPr userDrawn="1"/>
+        </p:nvPicPr>
+        <p:blipFill rotWithShape="1">
+          <a:blip r:embed="rId11" cstate="print">
+            <a:extLst>
+              <a:ext uri="{28A0092B-C50C-407E-A947-70E740481C1C}">
+                <a14:useLocalDpi xmlns:a14="http://schemas.microsoft.com/office/drawing/2010/main" val="0"/>
+              </a:ext>
+            </a:extLst>
+          </a:blip>
+          <a:srcRect t="15984" b="15885"/>
+          <a:stretch/>
+        </p:blipFill>
+        <p:spPr>
+          <a:xfrm>
+            <a:off x="471488" y="9224307"/>
+            <a:ext cx="1604044" cy="453441"/>
+          </a:xfrm>
+          <a:prstGeom prst="rect">
+            <a:avLst/>
+          </a:prstGeom>
+        </p:spPr>
+      </p:pic>
+      <p:pic>
+        <p:nvPicPr>
+          <p:cNvPr id="9" name="Grafik 8">
+            <a:extLst>
+              <a:ext uri="{FF2B5EF4-FFF2-40B4-BE49-F238E27FC236}">
+                <a16:creationId xmlns:a16="http://schemas.microsoft.com/office/drawing/2014/main" id="{31AAA60B-D6AC-4C76-8DA1-C56C64C5D525}"/>
+              </a:ext>
+            </a:extLst>
+          </p:cNvPr>
+          <p:cNvPicPr>
+            <a:picLocks noChangeAspect="1"/>
+          </p:cNvPicPr>
+          <p:nvPr userDrawn="1"/>
+        </p:nvPicPr>
+        <p:blipFill>
+          <a:blip r:embed="rId12" cstate="print">
+            <a:extLst>
+              <a:ext uri="{28A0092B-C50C-407E-A947-70E740481C1C}">
+                <a14:useLocalDpi xmlns:a14="http://schemas.microsoft.com/office/drawing/2010/main" val="0"/>
+              </a:ext>
+            </a:extLst>
+          </a:blip>
+          <a:stretch>
+            <a:fillRect/>
+          </a:stretch>
+        </p:blipFill>
+        <p:spPr>
+          <a:xfrm>
+            <a:off x="2074069" y="9099550"/>
+            <a:ext cx="381000" cy="571500"/>
+          </a:xfrm>
+          <a:prstGeom prst="rect">
+            <a:avLst/>
+          </a:prstGeom>
+        </p:spPr>
+      </p:pic>
+      <p:pic>
+        <p:nvPicPr>
+          <p:cNvPr id="10" name="Grafik 9">
+            <a:extLst>
+              <a:ext uri="{FF2B5EF4-FFF2-40B4-BE49-F238E27FC236}">
+                <a16:creationId xmlns:a16="http://schemas.microsoft.com/office/drawing/2014/main" id="{257B1769-ACED-4298-9579-0B097F6D3478}"/>
+              </a:ext>
+            </a:extLst>
+          </p:cNvPr>
+          <p:cNvPicPr>
+            <a:picLocks noChangeAspect="1"/>
+          </p:cNvPicPr>
+          <p:nvPr userDrawn="1"/>
+        </p:nvPicPr>
+        <p:blipFill>
+          <a:blip r:embed="rId13" cstate="print">
+            <a:extLst>
+              <a:ext uri="{28A0092B-C50C-407E-A947-70E740481C1C}">
+                <a14:useLocalDpi xmlns:a14="http://schemas.microsoft.com/office/drawing/2010/main" val="0"/>
+              </a:ext>
+            </a:extLst>
+          </a:blip>
+          <a:stretch>
+            <a:fillRect/>
+          </a:stretch>
+        </p:blipFill>
+        <p:spPr>
+          <a:xfrm>
+            <a:off x="3590172" y="8960427"/>
+            <a:ext cx="911392" cy="911392"/>
+          </a:xfrm>
+          <a:prstGeom prst="rect">
+            <a:avLst/>
+          </a:prstGeom>
+        </p:spPr>
+      </p:pic>
     </p:spTree>
     <p:extLst>
       <p:ext uri="{BB962C8B-B14F-4D97-AF65-F5344CB8AC3E}">

--- a/kleines_1x1/kleines_1x1.pptx
+++ b/kleines_1x1/kleines_1x1.pptx
@@ -201,7 +201,7 @@
           <a:p>
             <a:fld id="{DD7A25D8-F173-4133-85F8-CB962D678EB5}" type="datetimeFigureOut">
               <a:rPr lang="de-DE" smtClean="0"/>
-              <a:t>09.12.2019</a:t>
+              <a:t>16.03.2020</a:t>
             </a:fld>
             <a:endParaRPr lang="de-DE"/>
           </a:p>
@@ -599,7 +599,7 @@
           <a:p>
             <a:fld id="{FC9269F9-6F79-4414-A84E-D81C6C443C37}" type="datetimeFigureOut">
               <a:rPr lang="de-DE" smtClean="0"/>
-              <a:t>09.12.2019</a:t>
+              <a:t>16.03.2020</a:t>
             </a:fld>
             <a:endParaRPr lang="de-DE"/>
           </a:p>
@@ -1842,7 +1842,7 @@
           <a:p>
             <a:fld id="{FC9269F9-6F79-4414-A84E-D81C6C443C37}" type="datetimeFigureOut">
               <a:rPr lang="de-DE" smtClean="0"/>
-              <a:t>09.12.2019</a:t>
+              <a:t>16.03.2020</a:t>
             </a:fld>
             <a:endParaRPr lang="de-DE"/>
           </a:p>
@@ -2283,7 +2283,7 @@
           <a:p>
             <a:fld id="{FC9269F9-6F79-4414-A84E-D81C6C443C37}" type="datetimeFigureOut">
               <a:rPr lang="de-DE" smtClean="0"/>
-              <a:t>09.12.2019</a:t>
+              <a:t>16.03.2020</a:t>
             </a:fld>
             <a:endParaRPr lang="de-DE"/>
           </a:p>
@@ -3046,7 +3046,7 @@
           <a:p>
             <a:fld id="{FC9269F9-6F79-4414-A84E-D81C6C443C37}" type="datetimeFigureOut">
               <a:rPr lang="de-DE" smtClean="0"/>
-              <a:t>09.12.2019</a:t>
+              <a:t>16.03.2020</a:t>
             </a:fld>
             <a:endParaRPr lang="de-DE"/>
           </a:p>
@@ -3269,7 +3269,7 @@
           <a:p>
             <a:fld id="{FC9269F9-6F79-4414-A84E-D81C6C443C37}" type="datetimeFigureOut">
               <a:rPr lang="de-DE" smtClean="0"/>
-              <a:t>09.12.2019</a:t>
+              <a:t>16.03.2020</a:t>
             </a:fld>
             <a:endParaRPr lang="de-DE"/>
           </a:p>
@@ -3482,7 +3482,7 @@
           <a:p>
             <a:fld id="{FC9269F9-6F79-4414-A84E-D81C6C443C37}" type="datetimeFigureOut">
               <a:rPr lang="de-DE" smtClean="0"/>
-              <a:t>09.12.2019</a:t>
+              <a:t>16.03.2020</a:t>
             </a:fld>
             <a:endParaRPr lang="de-DE"/>
           </a:p>
@@ -4062,13 +4062,20 @@
         </p:nvSpPr>
         <p:spPr/>
         <p:txBody>
-          <a:bodyPr/>
+          <a:bodyPr>
+            <a:normAutofit lnSpcReduction="10000"/>
+          </a:bodyPr>
           <a:lstStyle/>
           <a:p>
             <a:r>
               <a:rPr lang="de-DE" dirty="0"/>
-              <a:t>Lasse dir die Zahlen des kleinen 1x1 abhängig von der Basiszahl ausgeben.</a:t>
-            </a:r>
+              <a:t>Lasse dir die Zahlen des kleinen 1x1 abhängig von der Basiszahl ausgeben (z.B. als Basiszahl wird 3 ausgewählt, dann soll die 3er-Reihe </a:t>
+            </a:r>
+            <a:r>
+              <a:rPr lang="de-DE"/>
+              <a:t>angezeigt werden).</a:t>
+            </a:r>
+            <a:endParaRPr lang="de-DE" dirty="0"/>
           </a:p>
         </p:txBody>
       </p:sp>
